--- a/print/precal_11_4.pptx
+++ b/print/precal_11_4.pptx
@@ -17,6 +17,7 @@
     <p:sldId id="262" r:id="rId14"/>
     <p:sldId id="263" r:id="rId15"/>
     <p:sldId id="264" r:id="rId16"/>
+    <p:sldId id="265" r:id="rId17"/>
   </p:sldIdLst>
   <p:sldSz cx="9144000" cy="5143500"/>
   <p:notesSz cx="6858000" cy="9144000"/>
@@ -764,7 +765,7 @@
       </p:grpSpPr>
       <p:sp>
         <p:nvSpPr>
-          <p:cNvPr id="215" name="Shape 215"/>
+          <p:cNvPr id="221" name="Shape 221"/>
           <p:cNvSpPr/>
           <p:nvPr>
             <p:ph type="sldImg"/>
@@ -785,7 +786,7 @@
       </p:sp>
       <p:sp>
         <p:nvSpPr>
-          <p:cNvPr id="216" name="Shape 216"/>
+          <p:cNvPr id="222" name="Shape 222"/>
           <p:cNvSpPr/>
           <p:nvPr>
             <p:ph type="body" sz="quarter" idx="1"/>
@@ -5285,6 +5286,169 @@
 </p:sld>
 </file>
 
+<file path=ppt/slides/slide10.xml><?xml version="1.0" encoding="utf-8"?>
+<p:sld xmlns:a="http://schemas.openxmlformats.org/drawingml/2006/main" xmlns:r="http://schemas.openxmlformats.org/officeDocument/2006/relationships" xmlns:p="http://schemas.openxmlformats.org/presentationml/2006/main" xmlns:m="http://schemas.openxmlformats.org/officeDocument/2006/math" xmlns:a14="http://schemas.microsoft.com/office/drawing/2010/main" showMasterSp="1" showMasterPhAnim="1">
+  <p:cSld>
+    <p:spTree>
+      <p:nvGrpSpPr>
+        <p:cNvPr id="1" name=""/>
+        <p:cNvGrpSpPr/>
+        <p:nvPr/>
+      </p:nvGrpSpPr>
+      <p:grpSpPr>
+        <a:xfrm>
+          <a:off x="0" y="0"/>
+          <a:ext cx="0" cy="0"/>
+          <a:chOff x="0" y="0"/>
+          <a:chExt cx="0" cy="0"/>
+        </a:xfrm>
+      </p:grpSpPr>
+      <p:pic>
+        <p:nvPicPr>
+          <p:cNvPr id="218" name="Image" descr="Image"/>
+          <p:cNvPicPr>
+            <a:picLocks noChangeAspect="1"/>
+          </p:cNvPicPr>
+          <p:nvPr/>
+        </p:nvPicPr>
+        <p:blipFill>
+          <a:blip r:embed="rId3">
+            <a:extLst/>
+          </a:blip>
+          <a:stretch>
+            <a:fillRect/>
+          </a:stretch>
+        </p:blipFill>
+        <p:spPr>
+          <a:xfrm>
+            <a:off x="5685284" y="1801019"/>
+            <a:ext cx="3053022" cy="2034076"/>
+          </a:xfrm>
+          <a:prstGeom prst="rect">
+            <a:avLst/>
+          </a:prstGeom>
+          <a:ln w="12700">
+            <a:miter lim="400000"/>
+          </a:ln>
+        </p:spPr>
+      </p:pic>
+      <p:sp>
+        <p:nvSpPr>
+          <p:cNvPr id="219" name="Exit ticket"/>
+          <p:cNvSpPr txBox="1"/>
+          <p:nvPr/>
+        </p:nvSpPr>
+        <p:spPr>
+          <a:xfrm>
+            <a:off x="1363272" y="313588"/>
+            <a:ext cx="6641122" cy="579352"/>
+          </a:xfrm>
+          <a:prstGeom prst="rect">
+            <a:avLst/>
+          </a:prstGeom>
+          <a:solidFill>
+            <a:srgbClr val="FFFFFF"/>
+          </a:solidFill>
+          <a:ln w="25400">
+            <a:solidFill>
+              <a:schemeClr val="accent1"/>
+            </a:solidFill>
+          </a:ln>
+          <a:extLst>
+            <a:ext uri="{C572A759-6A51-4108-AA02-DFA0A04FC94B}">
+              <ma14:wrappingTextBoxFlag xmlns:ma14="http://schemas.microsoft.com/office/mac/drawingml/2011/main" val="1"/>
+            </a:ext>
+          </a:extLst>
+        </p:spPr>
+        <p:txBody>
+          <a:bodyPr lIns="91422" tIns="91422" rIns="91422" bIns="91422">
+            <a:normAutofit fontScale="100000" lnSpcReduction="0"/>
+          </a:bodyPr>
+          <a:lstStyle>
+            <a:lvl1pPr defTabSz="813816">
+              <a:defRPr sz="2100">
+                <a:latin typeface="+mn-lt"/>
+                <a:ea typeface="+mn-ea"/>
+                <a:cs typeface="+mn-cs"/>
+                <a:sym typeface="Arial"/>
+              </a:defRPr>
+            </a:lvl1pPr>
+          </a:lstStyle>
+          <a:p>
+            <a:pPr/>
+            <a:r>
+              <a:t>Exit ticket</a:t>
+            </a:r>
+          </a:p>
+        </p:txBody>
+      </p:sp>
+      <p:sp>
+        <p:nvSpPr>
+          <p:cNvPr id="220" name="Navigate to Google Classroom and open Exit Ticket activity. Complete before the end of the period!"/>
+          <p:cNvSpPr txBox="1"/>
+          <p:nvPr/>
+        </p:nvSpPr>
+        <p:spPr>
+          <a:xfrm>
+            <a:off x="1266199" y="1657958"/>
+            <a:ext cx="3819937" cy="647701"/>
+          </a:xfrm>
+          <a:prstGeom prst="rect">
+            <a:avLst/>
+          </a:prstGeom>
+          <a:ln w="12700">
+            <a:miter lim="400000"/>
+          </a:ln>
+          <a:extLst>
+            <a:ext uri="{C572A759-6A51-4108-AA02-DFA0A04FC94B}">
+              <ma14:wrappingTextBoxFlag xmlns:ma14="http://schemas.microsoft.com/office/mac/drawingml/2011/main" val="1"/>
+            </a:ext>
+          </a:extLst>
+        </p:spPr>
+        <p:txBody>
+          <a:bodyPr lIns="0" tIns="0" rIns="0" bIns="0">
+            <a:spAutoFit/>
+          </a:bodyPr>
+          <a:lstStyle/>
+          <a:p>
+            <a:pPr/>
+            <a:r>
+              <a:t>Navigate to </a:t>
+            </a:r>
+            <a:r>
+              <a:rPr>
+                <a:solidFill>
+                  <a:srgbClr val="FFAB01"/>
+                </a:solidFill>
+              </a:rPr>
+              <a:t>Google Classroom</a:t>
+            </a:r>
+            <a:r>
+              <a:t> and open </a:t>
+            </a:r>
+            <a:r>
+              <a:rPr>
+                <a:solidFill>
+                  <a:srgbClr val="012F7B"/>
+                </a:solidFill>
+              </a:rPr>
+              <a:t>Exit Ticket activity</a:t>
+            </a:r>
+            <a:r>
+              <a:t>. Complete before the end of the period!</a:t>
+            </a:r>
+          </a:p>
+        </p:txBody>
+      </p:sp>
+    </p:spTree>
+  </p:cSld>
+  <p:clrMapOvr>
+    <a:masterClrMapping/>
+  </p:clrMapOvr>
+  <p:transition xmlns:p14="http://schemas.microsoft.com/office/powerpoint/2010/main" spd="med" advClick="1"/>
+</p:sld>
+</file>
+
 <file path=ppt/slides/slide2.xml><?xml version="1.0" encoding="utf-8"?>
 <p:sld xmlns:a="http://schemas.openxmlformats.org/drawingml/2006/main" xmlns:r="http://schemas.openxmlformats.org/officeDocument/2006/relationships" xmlns:p="http://schemas.openxmlformats.org/presentationml/2006/main" xmlns:m="http://schemas.openxmlformats.org/officeDocument/2006/math" xmlns:a14="http://schemas.microsoft.com/office/drawing/2010/main" showMasterSp="1" showMasterPhAnim="1">
   <p:cSld>
@@ -7614,16 +7778,108 @@
           <a:chExt cx="0" cy="0"/>
         </a:xfrm>
       </p:grpSpPr>
+      <p:sp>
+        <p:nvSpPr>
+          <p:cNvPr id="212" name="Double-click to edit"/>
+          <p:cNvSpPr txBox="1"/>
+          <p:nvPr>
+            <p:ph type="title"/>
+          </p:nvPr>
+        </p:nvSpPr>
+        <p:spPr>
+          <a:prstGeom prst="rect">
+            <a:avLst/>
+          </a:prstGeom>
+        </p:spPr>
+        <p:txBody>
+          <a:bodyPr/>
+          <a:lstStyle/>
+          <a:p>
+            <a:pPr defTabSz="886968">
+              <a:defRPr sz="2910"/>
+            </a:pPr>
+          </a:p>
+        </p:txBody>
+      </p:sp>
+      <p:sp>
+        <p:nvSpPr>
+          <p:cNvPr id="213" name="Double-click to edit"/>
+          <p:cNvSpPr txBox="1"/>
+          <p:nvPr>
+            <p:ph type="body" idx="1"/>
+          </p:nvPr>
+        </p:nvSpPr>
+        <p:spPr>
+          <a:prstGeom prst="rect">
+            <a:avLst/>
+          </a:prstGeom>
+        </p:spPr>
+        <p:txBody>
+          <a:bodyPr/>
+          <a:lstStyle/>
+          <a:p>
+            <a:pPr/>
+          </a:p>
+        </p:txBody>
+      </p:sp>
+      <p:sp>
+        <p:nvSpPr>
+          <p:cNvPr id="214" name="How is function composition in Pyret similar to function composition in regular math? How is it different?…"/>
+          <p:cNvSpPr txBox="1"/>
+          <p:nvPr/>
+        </p:nvSpPr>
+        <p:spPr>
+          <a:xfrm>
+            <a:off x="778973" y="1600200"/>
+            <a:ext cx="3278433" cy="1511300"/>
+          </a:xfrm>
+          <a:prstGeom prst="rect">
+            <a:avLst/>
+          </a:prstGeom>
+          <a:ln w="12700">
+            <a:miter lim="400000"/>
+          </a:ln>
+          <a:extLst>
+            <a:ext uri="{C572A759-6A51-4108-AA02-DFA0A04FC94B}">
+              <ma14:wrappingTextBoxFlag xmlns:ma14="http://schemas.microsoft.com/office/mac/drawingml/2011/main" val="1"/>
+            </a:ext>
+          </a:extLst>
+        </p:spPr>
+        <p:txBody>
+          <a:bodyPr lIns="0" tIns="0" rIns="0" bIns="0">
+            <a:spAutoFit/>
+          </a:bodyPr>
+          <a:lstStyle/>
+          <a:p>
+            <a:pPr marL="187157" indent="-187157">
+              <a:buSzPct val="100000"/>
+              <a:buAutoNum type="arabicPeriod" startAt="1"/>
+            </a:pPr>
+            <a:r>
+              <a:t>How is function composition in Pyret similar to function composition in regular math? How is it different?</a:t>
+            </a:r>
+          </a:p>
+          <a:p>
+            <a:pPr marL="187157" indent="-187157">
+              <a:buSzPct val="100000"/>
+              <a:buAutoNum type="arabicPeriod" startAt="1"/>
+            </a:pPr>
+            <a:r>
+              <a:t>Why is it useful to pay attention to the contracts when trying to compose two functions?</a:t>
+            </a:r>
+          </a:p>
+        </p:txBody>
+      </p:sp>
       <p:pic>
         <p:nvPicPr>
-          <p:cNvPr id="212" name="Image" descr="Image"/>
+          <p:cNvPr id="215" name="Image" descr="Image"/>
           <p:cNvPicPr>
             <a:picLocks noChangeAspect="1"/>
           </p:cNvPicPr>
           <p:nvPr/>
         </p:nvPicPr>
         <p:blipFill>
-          <a:blip r:embed="rId3">
+          <a:blip r:embed="rId2">
             <a:extLst/>
           </a:blip>
           <a:stretch>
@@ -7632,7 +7888,7 @@
         </p:blipFill>
         <p:spPr>
           <a:xfrm>
-            <a:off x="5685284" y="1801019"/>
+            <a:off x="4616052" y="1554712"/>
             <a:ext cx="3053022" cy="2034076"/>
           </a:xfrm>
           <a:prstGeom prst="rect">
@@ -7645,14 +7901,14 @@
       </p:pic>
       <p:sp>
         <p:nvSpPr>
-          <p:cNvPr id="213" name="Exit ticket"/>
+          <p:cNvPr id="216" name="Reflection: Thinking about thinking…"/>
           <p:cNvSpPr txBox="1"/>
           <p:nvPr/>
         </p:nvSpPr>
         <p:spPr>
           <a:xfrm>
-            <a:off x="1363272" y="313588"/>
-            <a:ext cx="6641122" cy="579352"/>
+            <a:off x="1404467" y="357128"/>
+            <a:ext cx="7302728" cy="939691"/>
           </a:xfrm>
           <a:prstGeom prst="rect">
             <a:avLst/>
@@ -7675,78 +7931,50 @@
           <a:bodyPr lIns="91422" tIns="91422" rIns="91422" bIns="91422">
             <a:normAutofit fontScale="100000" lnSpcReduction="0"/>
           </a:bodyPr>
-          <a:lstStyle>
-            <a:lvl1pPr defTabSz="813816">
+          <a:lstStyle/>
+          <a:p>
+            <a:pPr defTabSz="813816">
               <a:defRPr sz="2100">
                 <a:latin typeface="+mn-lt"/>
                 <a:ea typeface="+mn-ea"/>
                 <a:cs typeface="+mn-cs"/>
                 <a:sym typeface="Arial"/>
               </a:defRPr>
-            </a:lvl1pPr>
-          </a:lstStyle>
-          <a:p>
-            <a:pPr/>
-            <a:r>
-              <a:t>Exit ticket</a:t>
-            </a:r>
-          </a:p>
-        </p:txBody>
-      </p:sp>
-      <p:sp>
-        <p:nvSpPr>
-          <p:cNvPr id="214" name="Navigate to Google Classroom and open Exit Ticket activity. Complete before the end of the period!"/>
-          <p:cNvSpPr txBox="1"/>
-          <p:nvPr/>
-        </p:nvSpPr>
-        <p:spPr>
-          <a:xfrm>
-            <a:off x="1266199" y="1657958"/>
-            <a:ext cx="3819937" cy="647701"/>
-          </a:xfrm>
-          <a:prstGeom prst="rect">
-            <a:avLst/>
-          </a:prstGeom>
-          <a:ln w="12700">
-            <a:miter lim="400000"/>
-          </a:ln>
-          <a:extLst>
-            <a:ext uri="{C572A759-6A51-4108-AA02-DFA0A04FC94B}">
-              <ma14:wrappingTextBoxFlag xmlns:ma14="http://schemas.microsoft.com/office/mac/drawingml/2011/main" val="1"/>
-            </a:ext>
-          </a:extLst>
-        </p:spPr>
-        <p:txBody>
-          <a:bodyPr lIns="0" tIns="0" rIns="0" bIns="0">
-            <a:spAutoFit/>
-          </a:bodyPr>
-          <a:lstStyle/>
-          <a:p>
-            <a:pPr/>
-            <a:r>
-              <a:t>Navigate to </a:t>
+            </a:pPr>
+            <a:r>
+              <a:t>Reflection: Thinking about thinking</a:t>
+            </a:r>
+          </a:p>
+          <a:p>
+            <a:pPr defTabSz="813816">
+              <a:defRPr sz="1200">
+                <a:solidFill>
+                  <a:schemeClr val="accent5"/>
+                </a:solidFill>
+              </a:defRPr>
+            </a:pPr>
+            <a:r>
+              <a:t>be sure to:</a:t>
             </a:r>
             <a:r>
               <a:rPr>
                 <a:solidFill>
-                  <a:srgbClr val="FFAB01"/>
+                  <a:schemeClr val="accent5">
+                    <a:lumOff val="-9843"/>
+                  </a:schemeClr>
                 </a:solidFill>
               </a:rPr>
-              <a:t>Google Classroom</a:t>
-            </a:r>
-            <a:r>
-              <a:t> and open </a:t>
+              <a:t> </a:t>
             </a:r>
             <a:r>
               <a:rPr>
                 <a:solidFill>
-                  <a:srgbClr val="012F7B"/>
+                  <a:schemeClr val="accent3">
+                    <a:lumOff val="-9098"/>
+                  </a:schemeClr>
                 </a:solidFill>
               </a:rPr>
-              <a:t>Exit Ticket activity</a:t>
-            </a:r>
-            <a:r>
-              <a:t>. Complete before the end of the period!</a:t>
+              <a:t>Answer each question below with a complete sentence.</a:t>
             </a:r>
           </a:p>
         </p:txBody>
@@ -7757,6 +7985,211 @@
     <a:masterClrMapping/>
   </p:clrMapOvr>
   <p:transition xmlns:p14="http://schemas.microsoft.com/office/powerpoint/2010/main" spd="med" advClick="1"/>
+  <p:timing>
+    <p:tnLst>
+      <p:par>
+        <p:cTn id="1" nodeType="tmRoot" restart="never" dur="indefinite" fill="hold">
+          <p:childTnLst>
+            <p:seq concurrent="1" prevAc="none" nextAc="seek">
+              <p:cTn id="2" nodeType="mainSeq" dur="indefinite" fill="hold">
+                <p:childTnLst>
+                  <p:par>
+                    <p:cTn id="3" fill="hold">
+                      <p:stCondLst>
+                        <p:cond delay="indefinite"/>
+                      </p:stCondLst>
+                      <p:childTnLst>
+                        <p:par>
+                          <p:cTn id="4" fill="hold">
+                            <p:stCondLst>
+                              <p:cond delay="0"/>
+                            </p:stCondLst>
+                            <p:childTnLst>
+                              <p:par>
+                                <p:cTn id="5" presetClass="entr" nodeType="clickEffect" presetSubtype="0" presetID="1" grpId="1" fill="hold">
+                                  <p:stCondLst>
+                                    <p:cond delay="0"/>
+                                  </p:stCondLst>
+                                  <p:iterate type="el" backwards="0">
+                                    <p:tmAbs val="0"/>
+                                  </p:iterate>
+                                  <p:childTnLst>
+                                    <p:set>
+                                      <p:cBhvr>
+                                        <p:cTn id="6" fill="hold"/>
+                                        <p:tgtEl>
+                                          <p:spTgt spid="214">
+                                            <p:bg/>
+                                          </p:spTgt>
+                                        </p:tgtEl>
+                                        <p:attrNameLst>
+                                          <p:attrName>style.visibility</p:attrName>
+                                        </p:attrNameLst>
+                                      </p:cBhvr>
+                                      <p:to>
+                                        <p:strVal val="visible"/>
+                                      </p:to>
+                                    </p:set>
+                                  </p:childTnLst>
+                                </p:cTn>
+                              </p:par>
+                              <p:par>
+                                <p:cTn id="7" presetClass="entr" nodeType="withEffect" presetSubtype="0" presetID="1" grpId="1" fill="hold">
+                                  <p:stCondLst>
+                                    <p:cond delay="0"/>
+                                  </p:stCondLst>
+                                  <p:iterate type="el" backwards="0">
+                                    <p:tmAbs val="0"/>
+                                  </p:iterate>
+                                  <p:childTnLst>
+                                    <p:set>
+                                      <p:cBhvr>
+                                        <p:cTn id="8" fill="hold"/>
+                                        <p:tgtEl>
+                                          <p:spTgt spid="214">
+                                            <p:txEl>
+                                              <p:pRg st="0" end="0"/>
+                                            </p:txEl>
+                                          </p:spTgt>
+                                        </p:tgtEl>
+                                        <p:attrNameLst>
+                                          <p:attrName>style.visibility</p:attrName>
+                                        </p:attrNameLst>
+                                      </p:cBhvr>
+                                      <p:to>
+                                        <p:strVal val="visible"/>
+                                      </p:to>
+                                    </p:set>
+                                  </p:childTnLst>
+                                </p:cTn>
+                              </p:par>
+                            </p:childTnLst>
+                          </p:cTn>
+                        </p:par>
+                      </p:childTnLst>
+                    </p:cTn>
+                  </p:par>
+                  <p:par>
+                    <p:cTn id="9" fill="hold">
+                      <p:stCondLst>
+                        <p:cond delay="indefinite"/>
+                      </p:stCondLst>
+                      <p:childTnLst>
+                        <p:par>
+                          <p:cTn id="10" fill="hold">
+                            <p:stCondLst>
+                              <p:cond delay="0"/>
+                            </p:stCondLst>
+                            <p:childTnLst>
+                              <p:par>
+                                <p:cTn id="11" presetClass="entr" nodeType="clickEffect" presetSubtype="0" presetID="1" grpId="1" fill="hold">
+                                  <p:stCondLst>
+                                    <p:cond delay="0"/>
+                                  </p:stCondLst>
+                                  <p:iterate type="el" backwards="0">
+                                    <p:tmAbs val="0"/>
+                                  </p:iterate>
+                                  <p:childTnLst>
+                                    <p:set>
+                                      <p:cBhvr>
+                                        <p:cTn id="12" fill="hold"/>
+                                        <p:tgtEl>
+                                          <p:spTgt spid="214">
+                                            <p:txEl>
+                                              <p:pRg st="1" end="1"/>
+                                            </p:txEl>
+                                          </p:spTgt>
+                                        </p:tgtEl>
+                                        <p:attrNameLst>
+                                          <p:attrName>style.visibility</p:attrName>
+                                        </p:attrNameLst>
+                                      </p:cBhvr>
+                                      <p:to>
+                                        <p:strVal val="visible"/>
+                                      </p:to>
+                                    </p:set>
+                                  </p:childTnLst>
+                                </p:cTn>
+                              </p:par>
+                            </p:childTnLst>
+                          </p:cTn>
+                        </p:par>
+                      </p:childTnLst>
+                    </p:cTn>
+                  </p:par>
+                  <p:par>
+                    <p:cTn id="13" fill="hold">
+                      <p:stCondLst>
+                        <p:cond delay="indefinite"/>
+                      </p:stCondLst>
+                      <p:childTnLst>
+                        <p:par>
+                          <p:cTn id="14" fill="hold">
+                            <p:stCondLst>
+                              <p:cond delay="0"/>
+                            </p:stCondLst>
+                            <p:childTnLst>
+                              <p:par>
+                                <p:cTn id="15" presetClass="entr" nodeType="clickEffect" presetSubtype="0" presetID="1" grpId="1" fill="hold">
+                                  <p:stCondLst>
+                                    <p:cond delay="0"/>
+                                  </p:stCondLst>
+                                  <p:iterate type="el" backwards="0">
+                                    <p:tmAbs val="0"/>
+                                  </p:iterate>
+                                  <p:childTnLst>
+                                    <p:set>
+                                      <p:cBhvr>
+                                        <p:cTn id="16" fill="hold"/>
+                                        <p:tgtEl>
+                                          <p:spTgt spid="214">
+                                            <p:txEl>
+                                              <p:pRg st="2" end="2"/>
+                                            </p:txEl>
+                                          </p:spTgt>
+                                        </p:tgtEl>
+                                        <p:attrNameLst>
+                                          <p:attrName>style.visibility</p:attrName>
+                                        </p:attrNameLst>
+                                      </p:cBhvr>
+                                      <p:to>
+                                        <p:strVal val="visible"/>
+                                      </p:to>
+                                    </p:set>
+                                  </p:childTnLst>
+                                </p:cTn>
+                              </p:par>
+                            </p:childTnLst>
+                          </p:cTn>
+                        </p:par>
+                      </p:childTnLst>
+                    </p:cTn>
+                  </p:par>
+                </p:childTnLst>
+              </p:cTn>
+              <p:prevCondLst>
+                <p:cond evt="onPrev">
+                  <p:tgtEl>
+                    <p:sldTgt/>
+                  </p:tgtEl>
+                </p:cond>
+              </p:prevCondLst>
+              <p:nextCondLst>
+                <p:cond evt="onNext">
+                  <p:tgtEl>
+                    <p:sldTgt/>
+                  </p:tgtEl>
+                </p:cond>
+              </p:nextCondLst>
+            </p:seq>
+          </p:childTnLst>
+        </p:cTn>
+      </p:par>
+    </p:tnLst>
+    <p:bldLst>
+      <p:bldP build="p" bldLvl="5" animBg="1" rev="0" advAuto="0" spid="214" grpId="1"/>
+    </p:bldLst>
+  </p:timing>
 </p:sld>
 </file>
 
